--- a/Presentation/Go_Tutorial.pptx
+++ b/Presentation/Go_Tutorial.pptx
@@ -27815,7 +27815,7 @@
         <p:spPr>
           <a:xfrm>
             <a:off x="5339400" y="2672043"/>
-            <a:ext cx="3495415" cy="1104441"/>
+            <a:ext cx="3626006" cy="1104441"/>
           </a:xfrm>
           <a:prstGeom prst="rect">
             <a:avLst/>
@@ -28101,7 +28101,7 @@
                 <a:ea typeface="Fira Code" panose="020B0809050000020004" pitchFamily="49" charset="0"/>
                 <a:cs typeface="Fira Code" panose="020B0809050000020004" pitchFamily="49" charset="0"/>
               </a:rPr>
-              <a:t>// While Loop (With For)</a:t>
+              <a:t>// Equivalent to while true</a:t>
             </a:r>
             <a:endParaRPr lang="en-US" dirty="0">
               <a:solidFill>
@@ -28118,41 +28118,6 @@
                 </a:solidFill>
               </a:rPr>
               <a:t>for</a:t>
-            </a:r>
-            <a:r>
-              <a:rPr lang="en-US" dirty="0">
-                <a:solidFill>
-                  <a:schemeClr val="accent6"/>
-                </a:solidFill>
-              </a:rPr>
-              <a:t> </a:t>
-            </a:r>
-            <a:r>
-              <a:rPr lang="en-US" dirty="0" err="1">
-                <a:solidFill>
-                  <a:schemeClr val="accent6"/>
-                </a:solidFill>
-              </a:rPr>
-              <a:t>i</a:t>
-            </a:r>
-            <a:r>
-              <a:rPr lang="en-US" dirty="0">
-                <a:solidFill>
-                  <a:schemeClr val="accent6"/>
-                </a:solidFill>
-              </a:rPr>
-              <a:t> &lt;= </a:t>
-            </a:r>
-            <a:r>
-              <a:rPr lang="en-US" dirty="0">
-                <a:solidFill>
-                  <a:srgbClr val="DF3079"/>
-                </a:solidFill>
-                <a:latin typeface="Fira Code" panose="020B0809050000020004" pitchFamily="49" charset="0"/>
-                <a:ea typeface="Fira Code" panose="020B0809050000020004" pitchFamily="49" charset="0"/>
-                <a:cs typeface="Fira Code" panose="020B0809050000020004" pitchFamily="49" charset="0"/>
-              </a:rPr>
-              <a:t>10</a:t>
             </a:r>
             <a:r>
               <a:rPr lang="en-US" dirty="0">
@@ -43758,8 +43723,8 @@
         </p:nvSpPr>
         <p:spPr>
           <a:xfrm>
-            <a:off x="3051250" y="2638350"/>
-            <a:ext cx="5010300" cy="574800"/>
+            <a:off x="3051249" y="2638350"/>
+            <a:ext cx="5142631" cy="574800"/>
           </a:xfrm>
           <a:prstGeom prst="rect">
             <a:avLst/>
@@ -43782,7 +43747,7 @@
             </a:pPr>
             <a:r>
               <a:rPr lang="en-US" dirty="0"/>
-              <a:t>&lt; Code redundancy due to type-specific functions &gt;</a:t>
+              <a:t>&lt; Can lead to unspecified runtime errors, even though pointer arithmetic is not allowed&gt;</a:t>
             </a:r>
           </a:p>
         </p:txBody>
@@ -43823,7 +43788,7 @@
             </a:pPr>
             <a:r>
               <a:rPr lang="en" dirty="0"/>
-              <a:t>Lack of Generics</a:t>
+              <a:t>Use of Pointers</a:t>
             </a:r>
             <a:endParaRPr dirty="0"/>
           </a:p>

--- a/Presentation/Go_Tutorial.pptx
+++ b/Presentation/Go_Tutorial.pptx
@@ -22327,6 +22327,107 @@
           </a:prstGeom>
         </p:spPr>
       </p:pic>
+      <p:sp>
+        <p:nvSpPr>
+          <p:cNvPr id="2" name="CaixaDeTexto 1">
+            <a:extLst>
+              <a:ext uri="{FF2B5EF4-FFF2-40B4-BE49-F238E27FC236}">
+                <a16:creationId xmlns:a16="http://schemas.microsoft.com/office/drawing/2014/main" id="{0E7F2282-FC61-1390-9269-DD4E190A583A}"/>
+              </a:ext>
+            </a:extLst>
+          </p:cNvPr>
+          <p:cNvSpPr txBox="1"/>
+          <p:nvPr/>
+        </p:nvSpPr>
+        <p:spPr>
+          <a:xfrm>
+            <a:off x="6643687" y="3629918"/>
+            <a:ext cx="2450305" cy="1384995"/>
+          </a:xfrm>
+          <a:prstGeom prst="rect">
+            <a:avLst/>
+          </a:prstGeom>
+          <a:noFill/>
+        </p:spPr>
+        <p:txBody>
+          <a:bodyPr wrap="square" rtlCol="0">
+            <a:spAutoFit/>
+          </a:bodyPr>
+          <a:lstStyle/>
+          <a:p>
+            <a:r>
+              <a:rPr lang="pt-PT" dirty="0">
+                <a:solidFill>
+                  <a:schemeClr val="accent4">
+                    <a:lumMod val="20000"/>
+                    <a:lumOff val="80000"/>
+                  </a:schemeClr>
+                </a:solidFill>
+              </a:rPr>
+              <a:t>Rodrigo Aguiar - 108969</a:t>
+            </a:r>
+          </a:p>
+          <a:p>
+            <a:r>
+              <a:rPr lang="pt-PT" dirty="0">
+                <a:solidFill>
+                  <a:schemeClr val="accent4">
+                    <a:lumMod val="20000"/>
+                    <a:lumOff val="80000"/>
+                  </a:schemeClr>
+                </a:solidFill>
+              </a:rPr>
+              <a:t>Alexandre Ribeiro - 108122</a:t>
+            </a:r>
+          </a:p>
+          <a:p>
+            <a:r>
+              <a:rPr lang="pt-PT" dirty="0">
+                <a:solidFill>
+                  <a:schemeClr val="accent4">
+                    <a:lumMod val="20000"/>
+                    <a:lumOff val="80000"/>
+                  </a:schemeClr>
+                </a:solidFill>
+              </a:rPr>
+              <a:t>Diogo Almeida – 108902</a:t>
+            </a:r>
+          </a:p>
+          <a:p>
+            <a:endParaRPr lang="pt-PT" dirty="0">
+              <a:solidFill>
+                <a:schemeClr val="accent4">
+                  <a:lumMod val="20000"/>
+                  <a:lumOff val="80000"/>
+                </a:schemeClr>
+              </a:solidFill>
+            </a:endParaRPr>
+          </a:p>
+          <a:p>
+            <a:endParaRPr lang="pt-PT" dirty="0">
+              <a:solidFill>
+                <a:schemeClr val="accent4">
+                  <a:lumMod val="20000"/>
+                  <a:lumOff val="80000"/>
+                </a:schemeClr>
+              </a:solidFill>
+            </a:endParaRPr>
+          </a:p>
+          <a:p>
+            <a:r>
+              <a:rPr lang="pt-PT" dirty="0">
+                <a:solidFill>
+                  <a:schemeClr val="accent4">
+                    <a:lumMod val="20000"/>
+                    <a:lumOff val="80000"/>
+                  </a:schemeClr>
+                </a:solidFill>
+              </a:rPr>
+              <a:t>CSLP 2023</a:t>
+            </a:r>
+          </a:p>
+        </p:txBody>
+      </p:sp>
     </p:spTree>
   </p:cSld>
   <p:clrMapOvr>
